--- a/SoftUni Project - PingPongGame/SoftUni-PingPong-Project-Presentation/SoftUni-PingPong-Project.pptx
+++ b/SoftUni Project - PingPongGame/SoftUni-PingPong-Project-Presentation/SoftUni-PingPong-Project.pptx
@@ -6,9 +6,10 @@
   </p:sldMasterIdLst>
   <p:sldIdLst>
     <p:sldId id="256" r:id="rId2"/>
-    <p:sldId id="257" r:id="rId3"/>
-    <p:sldId id="258" r:id="rId4"/>
-    <p:sldId id="259" r:id="rId5"/>
+    <p:sldId id="260" r:id="rId3"/>
+    <p:sldId id="257" r:id="rId4"/>
+    <p:sldId id="258" r:id="rId5"/>
+    <p:sldId id="259" r:id="rId6"/>
   </p:sldIdLst>
   <p:sldSz cx="12192000" cy="6858000"/>
   <p:notesSz cx="6858000" cy="9144000"/>
@@ -298,7 +299,7 @@
           <a:p>
             <a:fld id="{94608893-2337-4634-87DE-4D53E8BC4E89}" type="datetimeFigureOut">
               <a:rPr lang="en-US" smtClean="0"/>
-              <a:t>05/27/2015</a:t>
+              <a:t>05/28/2015</a:t>
             </a:fld>
             <a:endParaRPr lang="en-US"/>
           </a:p>
@@ -573,7 +574,7 @@
           <a:p>
             <a:fld id="{94608893-2337-4634-87DE-4D53E8BC4E89}" type="datetimeFigureOut">
               <a:rPr lang="en-US" smtClean="0"/>
-              <a:t>05/27/2015</a:t>
+              <a:t>05/28/2015</a:t>
             </a:fld>
             <a:endParaRPr lang="en-US"/>
           </a:p>
@@ -767,7 +768,7 @@
           <a:p>
             <a:fld id="{94608893-2337-4634-87DE-4D53E8BC4E89}" type="datetimeFigureOut">
               <a:rPr lang="en-US" smtClean="0"/>
-              <a:t>05/27/2015</a:t>
+              <a:t>05/28/2015</a:t>
             </a:fld>
             <a:endParaRPr lang="en-US"/>
           </a:p>
@@ -1035,7 +1036,7 @@
           <a:p>
             <a:fld id="{94608893-2337-4634-87DE-4D53E8BC4E89}" type="datetimeFigureOut">
               <a:rPr lang="en-US" smtClean="0"/>
-              <a:t>05/27/2015</a:t>
+              <a:t>05/28/2015</a:t>
             </a:fld>
             <a:endParaRPr lang="en-US"/>
           </a:p>
@@ -1367,7 +1368,7 @@
           <a:p>
             <a:fld id="{94608893-2337-4634-87DE-4D53E8BC4E89}" type="datetimeFigureOut">
               <a:rPr lang="en-US" smtClean="0"/>
-              <a:t>05/27/2015</a:t>
+              <a:t>05/28/2015</a:t>
             </a:fld>
             <a:endParaRPr lang="en-US"/>
           </a:p>
@@ -1977,7 +1978,7 @@
           <a:p>
             <a:fld id="{94608893-2337-4634-87DE-4D53E8BC4E89}" type="datetimeFigureOut">
               <a:rPr lang="en-US" smtClean="0"/>
-              <a:t>05/27/2015</a:t>
+              <a:t>05/28/2015</a:t>
             </a:fld>
             <a:endParaRPr lang="en-US"/>
           </a:p>
@@ -2824,7 +2825,7 @@
           <a:p>
             <a:fld id="{94608893-2337-4634-87DE-4D53E8BC4E89}" type="datetimeFigureOut">
               <a:rPr lang="en-US" smtClean="0"/>
-              <a:t>05/27/2015</a:t>
+              <a:t>05/28/2015</a:t>
             </a:fld>
             <a:endParaRPr lang="en-US"/>
           </a:p>
@@ -2994,7 +2995,7 @@
           <a:p>
             <a:fld id="{94608893-2337-4634-87DE-4D53E8BC4E89}" type="datetimeFigureOut">
               <a:rPr lang="en-US" smtClean="0"/>
-              <a:t>05/27/2015</a:t>
+              <a:t>05/28/2015</a:t>
             </a:fld>
             <a:endParaRPr lang="en-US"/>
           </a:p>
@@ -3174,7 +3175,7 @@
           <a:p>
             <a:fld id="{94608893-2337-4634-87DE-4D53E8BC4E89}" type="datetimeFigureOut">
               <a:rPr lang="en-US" smtClean="0"/>
-              <a:t>05/27/2015</a:t>
+              <a:t>05/28/2015</a:t>
             </a:fld>
             <a:endParaRPr lang="en-US"/>
           </a:p>
@@ -3344,7 +3345,7 @@
           <a:p>
             <a:fld id="{94608893-2337-4634-87DE-4D53E8BC4E89}" type="datetimeFigureOut">
               <a:rPr lang="en-US" smtClean="0"/>
-              <a:t>05/27/2015</a:t>
+              <a:t>05/28/2015</a:t>
             </a:fld>
             <a:endParaRPr lang="en-US"/>
           </a:p>
@@ -3588,7 +3589,7 @@
           <a:p>
             <a:fld id="{94608893-2337-4634-87DE-4D53E8BC4E89}" type="datetimeFigureOut">
               <a:rPr lang="en-US" smtClean="0"/>
-              <a:t>05/27/2015</a:t>
+              <a:t>05/28/2015</a:t>
             </a:fld>
             <a:endParaRPr lang="en-US"/>
           </a:p>
@@ -3880,7 +3881,7 @@
           <a:p>
             <a:fld id="{94608893-2337-4634-87DE-4D53E8BC4E89}" type="datetimeFigureOut">
               <a:rPr lang="en-US" smtClean="0"/>
-              <a:t>05/27/2015</a:t>
+              <a:t>05/28/2015</a:t>
             </a:fld>
             <a:endParaRPr lang="en-US"/>
           </a:p>
@@ -4318,7 +4319,7 @@
           <a:p>
             <a:fld id="{94608893-2337-4634-87DE-4D53E8BC4E89}" type="datetimeFigureOut">
               <a:rPr lang="en-US" smtClean="0"/>
-              <a:t>05/27/2015</a:t>
+              <a:t>05/28/2015</a:t>
             </a:fld>
             <a:endParaRPr lang="en-US"/>
           </a:p>
@@ -4436,7 +4437,7 @@
           <a:p>
             <a:fld id="{94608893-2337-4634-87DE-4D53E8BC4E89}" type="datetimeFigureOut">
               <a:rPr lang="en-US" smtClean="0"/>
-              <a:t>05/27/2015</a:t>
+              <a:t>05/28/2015</a:t>
             </a:fld>
             <a:endParaRPr lang="en-US"/>
           </a:p>
@@ -4531,7 +4532,7 @@
           <a:p>
             <a:fld id="{94608893-2337-4634-87DE-4D53E8BC4E89}" type="datetimeFigureOut">
               <a:rPr lang="en-US" smtClean="0"/>
-              <a:t>05/27/2015</a:t>
+              <a:t>05/28/2015</a:t>
             </a:fld>
             <a:endParaRPr lang="en-US"/>
           </a:p>
@@ -4810,7 +4811,7 @@
           <a:p>
             <a:fld id="{94608893-2337-4634-87DE-4D53E8BC4E89}" type="datetimeFigureOut">
               <a:rPr lang="en-US" smtClean="0"/>
-              <a:t>05/27/2015</a:t>
+              <a:t>05/28/2015</a:t>
             </a:fld>
             <a:endParaRPr lang="en-US"/>
           </a:p>
@@ -5085,7 +5086,7 @@
           <a:p>
             <a:fld id="{94608893-2337-4634-87DE-4D53E8BC4E89}" type="datetimeFigureOut">
               <a:rPr lang="en-US" smtClean="0"/>
-              <a:t>05/27/2015</a:t>
+              <a:t>05/28/2015</a:t>
             </a:fld>
             <a:endParaRPr lang="en-US"/>
           </a:p>
@@ -5514,7 +5515,7 @@
           <a:p>
             <a:fld id="{94608893-2337-4634-87DE-4D53E8BC4E89}" type="datetimeFigureOut">
               <a:rPr lang="en-US" smtClean="0"/>
-              <a:t>05/27/2015</a:t>
+              <a:t>05/28/2015</a:t>
             </a:fld>
             <a:endParaRPr lang="en-US"/>
           </a:p>
@@ -6208,63 +6209,16 @@
           <a:chExt cx="0" cy="0"/>
         </a:xfrm>
       </p:grpSpPr>
-      <p:pic>
-        <p:nvPicPr>
-          <p:cNvPr id="5" name="Picture 4"/>
-          <p:cNvPicPr>
-            <a:picLocks noChangeAspect="1"/>
-          </p:cNvPicPr>
-          <p:nvPr/>
-        </p:nvPicPr>
-        <p:blipFill>
-          <a:blip r:embed="rId2">
-            <a:extLst>
-              <a:ext uri="{28A0092B-C50C-407E-A947-70E740481C1C}">
-                <a14:useLocalDpi xmlns:a14="http://schemas.microsoft.com/office/drawing/2010/main" val="0"/>
-              </a:ext>
-            </a:extLst>
-          </a:blip>
-          <a:stretch>
-            <a:fillRect/>
-          </a:stretch>
-        </p:blipFill>
-        <p:spPr>
-          <a:xfrm>
-            <a:off x="3367408" y="1715431"/>
-            <a:ext cx="6269984" cy="3249338"/>
-          </a:xfrm>
-          <a:prstGeom prst="rect">
-            <a:avLst/>
-          </a:prstGeom>
-          <a:ln>
-            <a:noFill/>
-          </a:ln>
-          <a:effectLst>
-            <a:reflection blurRad="12700" stA="30000" endPos="30000" dist="5000" dir="5400000" sy="-100000" algn="bl" rotWithShape="0"/>
-          </a:effectLst>
-          <a:scene3d>
-            <a:camera prst="perspectiveContrastingLeftFacing">
-              <a:rot lat="300000" lon="19800000" rev="0"/>
-            </a:camera>
-            <a:lightRig rig="threePt" dir="t">
-              <a:rot lat="0" lon="0" rev="2700000"/>
-            </a:lightRig>
-          </a:scene3d>
-          <a:sp3d>
-            <a:bevelT w="63500" h="50800"/>
-          </a:sp3d>
-        </p:spPr>
-      </p:pic>
-      <p:sp>
-        <p:nvSpPr>
-          <p:cNvPr id="6" name="TextBox 5"/>
+      <p:sp>
+        <p:nvSpPr>
+          <p:cNvPr id="4" name="TextBox 3"/>
           <p:cNvSpPr txBox="1"/>
           <p:nvPr/>
         </p:nvSpPr>
         <p:spPr>
           <a:xfrm>
-            <a:off x="4965700" y="5499100"/>
-            <a:ext cx="2122697" cy="523220"/>
+            <a:off x="5194300" y="1384300"/>
+            <a:ext cx="1601721" cy="523220"/>
           </a:xfrm>
           <a:prstGeom prst="rect">
             <a:avLst/>
@@ -6272,7 +6226,7 @@
           <a:noFill/>
         </p:spPr>
         <p:txBody>
-          <a:bodyPr wrap="none" rtlCol="0" anchor="ctr">
+          <a:bodyPr wrap="none" rtlCol="0">
             <a:spAutoFit/>
           </a:bodyPr>
           <a:lstStyle/>
@@ -6289,7 +6243,7 @@
                 <a:latin typeface="Arial" panose="020B0604020202020204" pitchFamily="34" charset="0"/>
                 <a:cs typeface="Arial" panose="020B0604020202020204" pitchFamily="34" charset="0"/>
               </a:rPr>
-              <a:t>Live Demo!</a:t>
+              <a:t>GitHub :</a:t>
             </a:r>
             <a:endParaRPr lang="en-US" sz="2800" b="1" dirty="0">
               <a:effectLst>
@@ -6305,10 +6259,124 @@
           </a:p>
         </p:txBody>
       </p:sp>
+      <p:sp>
+        <p:nvSpPr>
+          <p:cNvPr id="5" name="TextBox 4"/>
+          <p:cNvSpPr txBox="1"/>
+          <p:nvPr/>
+        </p:nvSpPr>
+        <p:spPr>
+          <a:xfrm>
+            <a:off x="2755900" y="2387600"/>
+            <a:ext cx="6660798" cy="369332"/>
+          </a:xfrm>
+          <a:prstGeom prst="rect">
+            <a:avLst/>
+          </a:prstGeom>
+          <a:noFill/>
+        </p:spPr>
+        <p:txBody>
+          <a:bodyPr wrap="none" rtlCol="0">
+            <a:spAutoFit/>
+          </a:bodyPr>
+          <a:lstStyle/>
+          <a:p>
+            <a:r>
+              <a:rPr lang="en-US" dirty="0">
+                <a:hlinkClick r:id="rId2"/>
+              </a:rPr>
+              <a:t>https://github.com/KonstantinYanchev/FirstProject-May-Course</a:t>
+            </a:r>
+            <a:endParaRPr lang="en-US" dirty="0"/>
+          </a:p>
+        </p:txBody>
+      </p:sp>
+      <p:sp>
+        <p:nvSpPr>
+          <p:cNvPr id="6" name="TextBox 5"/>
+          <p:cNvSpPr txBox="1"/>
+          <p:nvPr/>
+        </p:nvSpPr>
+        <p:spPr>
+          <a:xfrm>
+            <a:off x="5194299" y="3378200"/>
+            <a:ext cx="1362296" cy="523220"/>
+          </a:xfrm>
+          <a:prstGeom prst="rect">
+            <a:avLst/>
+          </a:prstGeom>
+          <a:noFill/>
+        </p:spPr>
+        <p:txBody>
+          <a:bodyPr wrap="none" rtlCol="0">
+            <a:spAutoFit/>
+          </a:bodyPr>
+          <a:lstStyle/>
+          <a:p>
+            <a:r>
+              <a:rPr lang="en-US" sz="2800" b="1" dirty="0" smtClean="0">
+                <a:effectLst>
+                  <a:outerShdw blurRad="38100" dist="38100" dir="2700000" algn="tl">
+                    <a:srgbClr val="000000">
+                      <a:alpha val="43137"/>
+                    </a:srgbClr>
+                  </a:outerShdw>
+                </a:effectLst>
+                <a:latin typeface="Arial" panose="020B0604020202020204" pitchFamily="34" charset="0"/>
+                <a:cs typeface="Arial" panose="020B0604020202020204" pitchFamily="34" charset="0"/>
+              </a:rPr>
+              <a:t>Trello :</a:t>
+            </a:r>
+            <a:endParaRPr lang="en-US" sz="2800" b="1" dirty="0">
+              <a:effectLst>
+                <a:outerShdw blurRad="38100" dist="38100" dir="2700000" algn="tl">
+                  <a:srgbClr val="000000">
+                    <a:alpha val="43137"/>
+                  </a:srgbClr>
+                </a:outerShdw>
+              </a:effectLst>
+              <a:latin typeface="Arial" panose="020B0604020202020204" pitchFamily="34" charset="0"/>
+              <a:cs typeface="Arial" panose="020B0604020202020204" pitchFamily="34" charset="0"/>
+            </a:endParaRPr>
+          </a:p>
+        </p:txBody>
+      </p:sp>
+      <p:sp>
+        <p:nvSpPr>
+          <p:cNvPr id="7" name="TextBox 6"/>
+          <p:cNvSpPr txBox="1"/>
+          <p:nvPr/>
+        </p:nvSpPr>
+        <p:spPr>
+          <a:xfrm>
+            <a:off x="3332122" y="4522688"/>
+            <a:ext cx="5086649" cy="369332"/>
+          </a:xfrm>
+          <a:prstGeom prst="rect">
+            <a:avLst/>
+          </a:prstGeom>
+          <a:noFill/>
+        </p:spPr>
+        <p:txBody>
+          <a:bodyPr wrap="none" rtlCol="0">
+            <a:spAutoFit/>
+          </a:bodyPr>
+          <a:lstStyle/>
+          <a:p>
+            <a:r>
+              <a:rPr lang="en-US" dirty="0">
+                <a:hlinkClick r:id="rId3"/>
+              </a:rPr>
+              <a:t>https://trello.com/b/3wGLSMF2/softuni-projects</a:t>
+            </a:r>
+            <a:endParaRPr lang="en-US" dirty="0"/>
+          </a:p>
+        </p:txBody>
+      </p:sp>
     </p:spTree>
     <p:extLst>
       <p:ext uri="{BB962C8B-B14F-4D97-AF65-F5344CB8AC3E}">
-        <p14:creationId xmlns:p14="http://schemas.microsoft.com/office/powerpoint/2010/main" val="2286204122"/>
+        <p14:creationId xmlns:p14="http://schemas.microsoft.com/office/powerpoint/2010/main" val="2659197272"/>
       </p:ext>
     </p:extLst>
   </p:cSld>
@@ -6342,6 +6410,140 @@
           <a:chExt cx="0" cy="0"/>
         </a:xfrm>
       </p:grpSpPr>
+      <p:pic>
+        <p:nvPicPr>
+          <p:cNvPr id="5" name="Picture 4"/>
+          <p:cNvPicPr>
+            <a:picLocks noChangeAspect="1"/>
+          </p:cNvPicPr>
+          <p:nvPr/>
+        </p:nvPicPr>
+        <p:blipFill>
+          <a:blip r:embed="rId2">
+            <a:extLst>
+              <a:ext uri="{28A0092B-C50C-407E-A947-70E740481C1C}">
+                <a14:useLocalDpi xmlns:a14="http://schemas.microsoft.com/office/drawing/2010/main" val="0"/>
+              </a:ext>
+            </a:extLst>
+          </a:blip>
+          <a:stretch>
+            <a:fillRect/>
+          </a:stretch>
+        </p:blipFill>
+        <p:spPr>
+          <a:xfrm>
+            <a:off x="3367408" y="1715431"/>
+            <a:ext cx="6269984" cy="3249338"/>
+          </a:xfrm>
+          <a:prstGeom prst="rect">
+            <a:avLst/>
+          </a:prstGeom>
+          <a:ln>
+            <a:noFill/>
+          </a:ln>
+          <a:effectLst>
+            <a:reflection blurRad="12700" stA="30000" endPos="30000" dist="5000" dir="5400000" sy="-100000" algn="bl" rotWithShape="0"/>
+          </a:effectLst>
+          <a:scene3d>
+            <a:camera prst="perspectiveContrastingLeftFacing">
+              <a:rot lat="300000" lon="19800000" rev="0"/>
+            </a:camera>
+            <a:lightRig rig="threePt" dir="t">
+              <a:rot lat="0" lon="0" rev="2700000"/>
+            </a:lightRig>
+          </a:scene3d>
+          <a:sp3d>
+            <a:bevelT w="63500" h="50800"/>
+          </a:sp3d>
+        </p:spPr>
+      </p:pic>
+      <p:sp>
+        <p:nvSpPr>
+          <p:cNvPr id="6" name="TextBox 5"/>
+          <p:cNvSpPr txBox="1"/>
+          <p:nvPr/>
+        </p:nvSpPr>
+        <p:spPr>
+          <a:xfrm>
+            <a:off x="4965700" y="5499100"/>
+            <a:ext cx="2122697" cy="523220"/>
+          </a:xfrm>
+          <a:prstGeom prst="rect">
+            <a:avLst/>
+          </a:prstGeom>
+          <a:noFill/>
+        </p:spPr>
+        <p:txBody>
+          <a:bodyPr wrap="none" rtlCol="0" anchor="ctr">
+            <a:spAutoFit/>
+          </a:bodyPr>
+          <a:lstStyle/>
+          <a:p>
+            <a:r>
+              <a:rPr lang="en-US" sz="2800" b="1" dirty="0" smtClean="0">
+                <a:effectLst>
+                  <a:outerShdw blurRad="38100" dist="38100" dir="2700000" algn="tl">
+                    <a:srgbClr val="000000">
+                      <a:alpha val="43137"/>
+                    </a:srgbClr>
+                  </a:outerShdw>
+                </a:effectLst>
+                <a:latin typeface="Arial" panose="020B0604020202020204" pitchFamily="34" charset="0"/>
+                <a:cs typeface="Arial" panose="020B0604020202020204" pitchFamily="34" charset="0"/>
+              </a:rPr>
+              <a:t>Live Demo!</a:t>
+            </a:r>
+            <a:endParaRPr lang="en-US" sz="2800" b="1" dirty="0">
+              <a:effectLst>
+                <a:outerShdw blurRad="38100" dist="38100" dir="2700000" algn="tl">
+                  <a:srgbClr val="000000">
+                    <a:alpha val="43137"/>
+                  </a:srgbClr>
+                </a:outerShdw>
+              </a:effectLst>
+              <a:latin typeface="Arial" panose="020B0604020202020204" pitchFamily="34" charset="0"/>
+              <a:cs typeface="Arial" panose="020B0604020202020204" pitchFamily="34" charset="0"/>
+            </a:endParaRPr>
+          </a:p>
+        </p:txBody>
+      </p:sp>
+    </p:spTree>
+    <p:extLst>
+      <p:ext uri="{BB962C8B-B14F-4D97-AF65-F5344CB8AC3E}">
+        <p14:creationId xmlns:p14="http://schemas.microsoft.com/office/powerpoint/2010/main" val="2286204122"/>
+      </p:ext>
+    </p:extLst>
+  </p:cSld>
+  <p:clrMapOvr>
+    <a:masterClrMapping/>
+  </p:clrMapOvr>
+  <p:timing>
+    <p:tnLst>
+      <p:par>
+        <p:cTn id="1" dur="indefinite" restart="never" nodeType="tmRoot"/>
+      </p:par>
+    </p:tnLst>
+  </p:timing>
+</p:sld>
+</file>
+
+<file path=ppt/slides/slide4.xml><?xml version="1.0" encoding="utf-8"?>
+<p:sld xmlns:a="http://schemas.openxmlformats.org/drawingml/2006/main" xmlns:r="http://schemas.openxmlformats.org/officeDocument/2006/relationships" xmlns:p="http://schemas.openxmlformats.org/presentationml/2006/main">
+  <p:cSld>
+    <p:spTree>
+      <p:nvGrpSpPr>
+        <p:cNvPr id="1" name=""/>
+        <p:cNvGrpSpPr/>
+        <p:nvPr/>
+      </p:nvGrpSpPr>
+      <p:grpSpPr>
+        <a:xfrm>
+          <a:off x="0" y="0"/>
+          <a:ext cx="0" cy="0"/>
+          <a:chOff x="0" y="0"/>
+          <a:chExt cx="0" cy="0"/>
+        </a:xfrm>
+      </p:grpSpPr>
       <p:sp>
         <p:nvSpPr>
           <p:cNvPr id="4" name="TextBox 3"/>
@@ -7082,7 +7284,7 @@
 </p:sld>
 </file>
 
-<file path=ppt/slides/slide4.xml><?xml version="1.0" encoding="utf-8"?>
+<file path=ppt/slides/slide5.xml><?xml version="1.0" encoding="utf-8"?>
 <p:sld xmlns:a="http://schemas.openxmlformats.org/drawingml/2006/main" xmlns:r="http://schemas.openxmlformats.org/officeDocument/2006/relationships" xmlns:p="http://schemas.openxmlformats.org/presentationml/2006/main">
   <p:cSld>
     <p:spTree>
